--- a/doc/Geoserver Data Dir.pptx
+++ b/doc/Geoserver Data Dir.pptx
@@ -4,8 +4,12 @@
   <p:sldMasterIdLst>
     <p:sldMasterId id="2147483648" r:id="rId1"/>
   </p:sldMasterIdLst>
+  <p:notesMasterIdLst>
+    <p:notesMasterId r:id="rId4"/>
+  </p:notesMasterIdLst>
   <p:sldIdLst>
     <p:sldId id="257" r:id="rId2"/>
+    <p:sldId id="258" r:id="rId3"/>
   </p:sldIdLst>
   <p:sldSz cx="9144000" cy="6858000" type="screen4x3"/>
   <p:notesSz cx="6858000" cy="9144000"/>
@@ -107,6 +111,531 @@
 </p:presentation>
 </file>
 
+<file path=ppt/notesMasters/notesMaster1.xml><?xml version="1.0" encoding="utf-8"?>
+<p:notesMaster xmlns:a="http://schemas.openxmlformats.org/drawingml/2006/main" xmlns:r="http://schemas.openxmlformats.org/officeDocument/2006/relationships" xmlns:p="http://schemas.openxmlformats.org/presentationml/2006/main">
+  <p:cSld>
+    <p:bg>
+      <p:bgRef idx="1001">
+        <a:schemeClr val="bg1"/>
+      </p:bgRef>
+    </p:bg>
+    <p:spTree>
+      <p:nvGrpSpPr>
+        <p:cNvPr id="1" name=""/>
+        <p:cNvGrpSpPr/>
+        <p:nvPr/>
+      </p:nvGrpSpPr>
+      <p:grpSpPr>
+        <a:xfrm>
+          <a:off x="0" y="0"/>
+          <a:ext cx="0" cy="0"/>
+          <a:chOff x="0" y="0"/>
+          <a:chExt cx="0" cy="0"/>
+        </a:xfrm>
+      </p:grpSpPr>
+      <p:sp>
+        <p:nvSpPr>
+          <p:cNvPr id="2" name="Espace réservé de l'en-tête 1"/>
+          <p:cNvSpPr>
+            <a:spLocks noGrp="1"/>
+          </p:cNvSpPr>
+          <p:nvPr>
+            <p:ph type="hdr" sz="quarter"/>
+          </p:nvPr>
+        </p:nvSpPr>
+        <p:spPr>
+          <a:xfrm>
+            <a:off x="0" y="0"/>
+            <a:ext cx="2971800" cy="457200"/>
+          </a:xfrm>
+          <a:prstGeom prst="rect">
+            <a:avLst/>
+          </a:prstGeom>
+        </p:spPr>
+        <p:txBody>
+          <a:bodyPr vert="horz" lIns="91440" tIns="45720" rIns="91440" bIns="45720" rtlCol="0"/>
+          <a:lstStyle>
+            <a:lvl1pPr algn="l">
+              <a:defRPr sz="1200"/>
+            </a:lvl1pPr>
+          </a:lstStyle>
+          <a:p>
+            <a:endParaRPr lang="fr-FR"/>
+          </a:p>
+        </p:txBody>
+      </p:sp>
+      <p:sp>
+        <p:nvSpPr>
+          <p:cNvPr id="3" name="Espace réservé de la date 2"/>
+          <p:cNvSpPr>
+            <a:spLocks noGrp="1"/>
+          </p:cNvSpPr>
+          <p:nvPr>
+            <p:ph type="dt" idx="1"/>
+          </p:nvPr>
+        </p:nvSpPr>
+        <p:spPr>
+          <a:xfrm>
+            <a:off x="3884613" y="0"/>
+            <a:ext cx="2971800" cy="457200"/>
+          </a:xfrm>
+          <a:prstGeom prst="rect">
+            <a:avLst/>
+          </a:prstGeom>
+        </p:spPr>
+        <p:txBody>
+          <a:bodyPr vert="horz" lIns="91440" tIns="45720" rIns="91440" bIns="45720" rtlCol="0"/>
+          <a:lstStyle>
+            <a:lvl1pPr algn="r">
+              <a:defRPr sz="1200"/>
+            </a:lvl1pPr>
+          </a:lstStyle>
+          <a:p>
+            <a:fld id="{DF9930AB-14A7-4EA1-840C-BB14F6B6861C}" type="datetimeFigureOut">
+              <a:rPr lang="fr-FR" smtClean="0"/>
+              <a:t>07/07/2014</a:t>
+            </a:fld>
+            <a:endParaRPr lang="fr-FR"/>
+          </a:p>
+        </p:txBody>
+      </p:sp>
+      <p:sp>
+        <p:nvSpPr>
+          <p:cNvPr id="4" name="Espace réservé de l'image des diapositives 3"/>
+          <p:cNvSpPr>
+            <a:spLocks noGrp="1" noRot="1" noChangeAspect="1"/>
+          </p:cNvSpPr>
+          <p:nvPr>
+            <p:ph type="sldImg" idx="2"/>
+          </p:nvPr>
+        </p:nvSpPr>
+        <p:spPr>
+          <a:xfrm>
+            <a:off x="1143000" y="685800"/>
+            <a:ext cx="4572000" cy="3429000"/>
+          </a:xfrm>
+          <a:prstGeom prst="rect">
+            <a:avLst/>
+          </a:prstGeom>
+          <a:noFill/>
+          <a:ln w="12700">
+            <a:solidFill>
+              <a:prstClr val="black"/>
+            </a:solidFill>
+          </a:ln>
+        </p:spPr>
+        <p:txBody>
+          <a:bodyPr vert="horz" lIns="91440" tIns="45720" rIns="91440" bIns="45720" rtlCol="0" anchor="ctr"/>
+          <a:lstStyle/>
+          <a:p>
+            <a:endParaRPr lang="fr-FR"/>
+          </a:p>
+        </p:txBody>
+      </p:sp>
+      <p:sp>
+        <p:nvSpPr>
+          <p:cNvPr id="5" name="Espace réservé des commentaires 4"/>
+          <p:cNvSpPr>
+            <a:spLocks noGrp="1"/>
+          </p:cNvSpPr>
+          <p:nvPr>
+            <p:ph type="body" sz="quarter" idx="3"/>
+          </p:nvPr>
+        </p:nvSpPr>
+        <p:spPr>
+          <a:xfrm>
+            <a:off x="685800" y="4343400"/>
+            <a:ext cx="5486400" cy="4114800"/>
+          </a:xfrm>
+          <a:prstGeom prst="rect">
+            <a:avLst/>
+          </a:prstGeom>
+        </p:spPr>
+        <p:txBody>
+          <a:bodyPr vert="horz" lIns="91440" tIns="45720" rIns="91440" bIns="45720" rtlCol="0">
+            <a:normAutofit/>
+          </a:bodyPr>
+          <a:lstStyle/>
+          <a:p>
+            <a:pPr lvl="0"/>
+            <a:r>
+              <a:rPr lang="fr-FR" smtClean="0"/>
+              <a:t>Cliquez pour modifier les styles du texte du masque</a:t>
+            </a:r>
+          </a:p>
+          <a:p>
+            <a:pPr lvl="1"/>
+            <a:r>
+              <a:rPr lang="fr-FR" smtClean="0"/>
+              <a:t>Deuxième niveau</a:t>
+            </a:r>
+          </a:p>
+          <a:p>
+            <a:pPr lvl="2"/>
+            <a:r>
+              <a:rPr lang="fr-FR" smtClean="0"/>
+              <a:t>Troisième niveau</a:t>
+            </a:r>
+          </a:p>
+          <a:p>
+            <a:pPr lvl="3"/>
+            <a:r>
+              <a:rPr lang="fr-FR" smtClean="0"/>
+              <a:t>Quatrième niveau</a:t>
+            </a:r>
+          </a:p>
+          <a:p>
+            <a:pPr lvl="4"/>
+            <a:r>
+              <a:rPr lang="fr-FR" smtClean="0"/>
+              <a:t>Cinquième niveau</a:t>
+            </a:r>
+            <a:endParaRPr lang="fr-FR"/>
+          </a:p>
+        </p:txBody>
+      </p:sp>
+      <p:sp>
+        <p:nvSpPr>
+          <p:cNvPr id="6" name="Espace réservé du pied de page 5"/>
+          <p:cNvSpPr>
+            <a:spLocks noGrp="1"/>
+          </p:cNvSpPr>
+          <p:nvPr>
+            <p:ph type="ftr" sz="quarter" idx="4"/>
+          </p:nvPr>
+        </p:nvSpPr>
+        <p:spPr>
+          <a:xfrm>
+            <a:off x="0" y="8685213"/>
+            <a:ext cx="2971800" cy="457200"/>
+          </a:xfrm>
+          <a:prstGeom prst="rect">
+            <a:avLst/>
+          </a:prstGeom>
+        </p:spPr>
+        <p:txBody>
+          <a:bodyPr vert="horz" lIns="91440" tIns="45720" rIns="91440" bIns="45720" rtlCol="0" anchor="b"/>
+          <a:lstStyle>
+            <a:lvl1pPr algn="l">
+              <a:defRPr sz="1200"/>
+            </a:lvl1pPr>
+          </a:lstStyle>
+          <a:p>
+            <a:endParaRPr lang="fr-FR"/>
+          </a:p>
+        </p:txBody>
+      </p:sp>
+      <p:sp>
+        <p:nvSpPr>
+          <p:cNvPr id="7" name="Espace réservé du numéro de diapositive 6"/>
+          <p:cNvSpPr>
+            <a:spLocks noGrp="1"/>
+          </p:cNvSpPr>
+          <p:nvPr>
+            <p:ph type="sldNum" sz="quarter" idx="5"/>
+          </p:nvPr>
+        </p:nvSpPr>
+        <p:spPr>
+          <a:xfrm>
+            <a:off x="3884613" y="8685213"/>
+            <a:ext cx="2971800" cy="457200"/>
+          </a:xfrm>
+          <a:prstGeom prst="rect">
+            <a:avLst/>
+          </a:prstGeom>
+        </p:spPr>
+        <p:txBody>
+          <a:bodyPr vert="horz" lIns="91440" tIns="45720" rIns="91440" bIns="45720" rtlCol="0" anchor="b"/>
+          <a:lstStyle>
+            <a:lvl1pPr algn="r">
+              <a:defRPr sz="1200"/>
+            </a:lvl1pPr>
+          </a:lstStyle>
+          <a:p>
+            <a:fld id="{5CB35168-9EF1-4119-99EB-CB833D4EE420}" type="slidenum">
+              <a:rPr lang="fr-FR" smtClean="0"/>
+              <a:t>‹N°›</a:t>
+            </a:fld>
+            <a:endParaRPr lang="fr-FR"/>
+          </a:p>
+        </p:txBody>
+      </p:sp>
+    </p:spTree>
+  </p:cSld>
+  <p:clrMap bg1="lt1" tx1="dk1" bg2="lt2" tx2="dk2" accent1="accent1" accent2="accent2" accent3="accent3" accent4="accent4" accent5="accent5" accent6="accent6" hlink="hlink" folHlink="folHlink"/>
+  <p:notesStyle>
+    <a:lvl1pPr marL="0" algn="l" defTabSz="914400" rtl="0" eaLnBrk="1" latinLnBrk="0" hangingPunct="1">
+      <a:defRPr sz="1200" kern="1200">
+        <a:solidFill>
+          <a:schemeClr val="tx1"/>
+        </a:solidFill>
+        <a:latin typeface="+mn-lt"/>
+        <a:ea typeface="+mn-ea"/>
+        <a:cs typeface="+mn-cs"/>
+      </a:defRPr>
+    </a:lvl1pPr>
+    <a:lvl2pPr marL="457200" algn="l" defTabSz="914400" rtl="0" eaLnBrk="1" latinLnBrk="0" hangingPunct="1">
+      <a:defRPr sz="1200" kern="1200">
+        <a:solidFill>
+          <a:schemeClr val="tx1"/>
+        </a:solidFill>
+        <a:latin typeface="+mn-lt"/>
+        <a:ea typeface="+mn-ea"/>
+        <a:cs typeface="+mn-cs"/>
+      </a:defRPr>
+    </a:lvl2pPr>
+    <a:lvl3pPr marL="914400" algn="l" defTabSz="914400" rtl="0" eaLnBrk="1" latinLnBrk="0" hangingPunct="1">
+      <a:defRPr sz="1200" kern="1200">
+        <a:solidFill>
+          <a:schemeClr val="tx1"/>
+        </a:solidFill>
+        <a:latin typeface="+mn-lt"/>
+        <a:ea typeface="+mn-ea"/>
+        <a:cs typeface="+mn-cs"/>
+      </a:defRPr>
+    </a:lvl3pPr>
+    <a:lvl4pPr marL="1371600" algn="l" defTabSz="914400" rtl="0" eaLnBrk="1" latinLnBrk="0" hangingPunct="1">
+      <a:defRPr sz="1200" kern="1200">
+        <a:solidFill>
+          <a:schemeClr val="tx1"/>
+        </a:solidFill>
+        <a:latin typeface="+mn-lt"/>
+        <a:ea typeface="+mn-ea"/>
+        <a:cs typeface="+mn-cs"/>
+      </a:defRPr>
+    </a:lvl4pPr>
+    <a:lvl5pPr marL="1828800" algn="l" defTabSz="914400" rtl="0" eaLnBrk="1" latinLnBrk="0" hangingPunct="1">
+      <a:defRPr sz="1200" kern="1200">
+        <a:solidFill>
+          <a:schemeClr val="tx1"/>
+        </a:solidFill>
+        <a:latin typeface="+mn-lt"/>
+        <a:ea typeface="+mn-ea"/>
+        <a:cs typeface="+mn-cs"/>
+      </a:defRPr>
+    </a:lvl5pPr>
+    <a:lvl6pPr marL="2286000" algn="l" defTabSz="914400" rtl="0" eaLnBrk="1" latinLnBrk="0" hangingPunct="1">
+      <a:defRPr sz="1200" kern="1200">
+        <a:solidFill>
+          <a:schemeClr val="tx1"/>
+        </a:solidFill>
+        <a:latin typeface="+mn-lt"/>
+        <a:ea typeface="+mn-ea"/>
+        <a:cs typeface="+mn-cs"/>
+      </a:defRPr>
+    </a:lvl6pPr>
+    <a:lvl7pPr marL="2743200" algn="l" defTabSz="914400" rtl="0" eaLnBrk="1" latinLnBrk="0" hangingPunct="1">
+      <a:defRPr sz="1200" kern="1200">
+        <a:solidFill>
+          <a:schemeClr val="tx1"/>
+        </a:solidFill>
+        <a:latin typeface="+mn-lt"/>
+        <a:ea typeface="+mn-ea"/>
+        <a:cs typeface="+mn-cs"/>
+      </a:defRPr>
+    </a:lvl7pPr>
+    <a:lvl8pPr marL="3200400" algn="l" defTabSz="914400" rtl="0" eaLnBrk="1" latinLnBrk="0" hangingPunct="1">
+      <a:defRPr sz="1200" kern="1200">
+        <a:solidFill>
+          <a:schemeClr val="tx1"/>
+        </a:solidFill>
+        <a:latin typeface="+mn-lt"/>
+        <a:ea typeface="+mn-ea"/>
+        <a:cs typeface="+mn-cs"/>
+      </a:defRPr>
+    </a:lvl8pPr>
+    <a:lvl9pPr marL="3657600" algn="l" defTabSz="914400" rtl="0" eaLnBrk="1" latinLnBrk="0" hangingPunct="1">
+      <a:defRPr sz="1200" kern="1200">
+        <a:solidFill>
+          <a:schemeClr val="tx1"/>
+        </a:solidFill>
+        <a:latin typeface="+mn-lt"/>
+        <a:ea typeface="+mn-ea"/>
+        <a:cs typeface="+mn-cs"/>
+      </a:defRPr>
+    </a:lvl9pPr>
+  </p:notesStyle>
+</p:notesMaster>
+</file>
+
+<file path=ppt/notesSlides/notesSlide1.xml><?xml version="1.0" encoding="utf-8"?>
+<p:notes xmlns:a="http://schemas.openxmlformats.org/drawingml/2006/main" xmlns:r="http://schemas.openxmlformats.org/officeDocument/2006/relationships" xmlns:p="http://schemas.openxmlformats.org/presentationml/2006/main">
+  <p:cSld>
+    <p:spTree>
+      <p:nvGrpSpPr>
+        <p:cNvPr id="1" name=""/>
+        <p:cNvGrpSpPr/>
+        <p:nvPr/>
+      </p:nvGrpSpPr>
+      <p:grpSpPr>
+        <a:xfrm>
+          <a:off x="0" y="0"/>
+          <a:ext cx="0" cy="0"/>
+          <a:chOff x="0" y="0"/>
+          <a:chExt cx="0" cy="0"/>
+        </a:xfrm>
+      </p:grpSpPr>
+      <p:sp>
+        <p:nvSpPr>
+          <p:cNvPr id="2" name="Espace réservé de l'image des diapositives 1"/>
+          <p:cNvSpPr>
+            <a:spLocks noGrp="1" noRot="1" noChangeAspect="1"/>
+          </p:cNvSpPr>
+          <p:nvPr>
+            <p:ph type="sldImg"/>
+          </p:nvPr>
+        </p:nvSpPr>
+        <p:spPr/>
+      </p:sp>
+      <p:sp>
+        <p:nvSpPr>
+          <p:cNvPr id="3" name="Espace réservé des commentaires 2"/>
+          <p:cNvSpPr>
+            <a:spLocks noGrp="1"/>
+          </p:cNvSpPr>
+          <p:nvPr>
+            <p:ph type="body" idx="1"/>
+          </p:nvPr>
+        </p:nvSpPr>
+        <p:spPr/>
+        <p:txBody>
+          <a:bodyPr>
+            <a:normAutofit/>
+          </a:bodyPr>
+          <a:lstStyle/>
+          <a:p>
+            <a:r>
+              <a:rPr lang="fr-FR" dirty="0" err="1" smtClean="0"/>
+              <a:t>Approach</a:t>
+            </a:r>
+            <a:r>
+              <a:rPr lang="fr-FR" dirty="0" smtClean="0"/>
+              <a:t> 1</a:t>
+            </a:r>
+            <a:endParaRPr lang="fr-FR" dirty="0"/>
+          </a:p>
+        </p:txBody>
+      </p:sp>
+      <p:sp>
+        <p:nvSpPr>
+          <p:cNvPr id="4" name="Espace réservé du numéro de diapositive 3"/>
+          <p:cNvSpPr>
+            <a:spLocks noGrp="1"/>
+          </p:cNvSpPr>
+          <p:nvPr>
+            <p:ph type="sldNum" sz="quarter" idx="10"/>
+          </p:nvPr>
+        </p:nvSpPr>
+        <p:spPr/>
+        <p:txBody>
+          <a:bodyPr/>
+          <a:lstStyle/>
+          <a:p>
+            <a:fld id="{5CB35168-9EF1-4119-99EB-CB833D4EE420}" type="slidenum">
+              <a:rPr lang="fr-FR" smtClean="0"/>
+              <a:t>1</a:t>
+            </a:fld>
+            <a:endParaRPr lang="fr-FR"/>
+          </a:p>
+        </p:txBody>
+      </p:sp>
+    </p:spTree>
+  </p:cSld>
+  <p:clrMapOvr>
+    <a:masterClrMapping/>
+  </p:clrMapOvr>
+</p:notes>
+</file>
+
+<file path=ppt/notesSlides/notesSlide2.xml><?xml version="1.0" encoding="utf-8"?>
+<p:notes xmlns:a="http://schemas.openxmlformats.org/drawingml/2006/main" xmlns:r="http://schemas.openxmlformats.org/officeDocument/2006/relationships" xmlns:p="http://schemas.openxmlformats.org/presentationml/2006/main">
+  <p:cSld>
+    <p:spTree>
+      <p:nvGrpSpPr>
+        <p:cNvPr id="1" name=""/>
+        <p:cNvGrpSpPr/>
+        <p:nvPr/>
+      </p:nvGrpSpPr>
+      <p:grpSpPr>
+        <a:xfrm>
+          <a:off x="0" y="0"/>
+          <a:ext cx="0" cy="0"/>
+          <a:chOff x="0" y="0"/>
+          <a:chExt cx="0" cy="0"/>
+        </a:xfrm>
+      </p:grpSpPr>
+      <p:sp>
+        <p:nvSpPr>
+          <p:cNvPr id="2" name="Espace réservé de l'image des diapositives 1"/>
+          <p:cNvSpPr>
+            <a:spLocks noGrp="1" noRot="1" noChangeAspect="1"/>
+          </p:cNvSpPr>
+          <p:nvPr>
+            <p:ph type="sldImg"/>
+          </p:nvPr>
+        </p:nvSpPr>
+        <p:spPr/>
+      </p:sp>
+      <p:sp>
+        <p:nvSpPr>
+          <p:cNvPr id="3" name="Espace réservé des commentaires 2"/>
+          <p:cNvSpPr>
+            <a:spLocks noGrp="1"/>
+          </p:cNvSpPr>
+          <p:nvPr>
+            <p:ph type="body" idx="1"/>
+          </p:nvPr>
+        </p:nvSpPr>
+        <p:spPr/>
+        <p:txBody>
+          <a:bodyPr>
+            <a:normAutofit/>
+          </a:bodyPr>
+          <a:lstStyle/>
+          <a:p>
+            <a:r>
+              <a:rPr lang="fr-FR" dirty="0" err="1" smtClean="0"/>
+              <a:t>Approach</a:t>
+            </a:r>
+            <a:r>
+              <a:rPr lang="fr-FR" smtClean="0"/>
+              <a:t> 2</a:t>
+            </a:r>
+            <a:endParaRPr lang="fr-FR"/>
+          </a:p>
+        </p:txBody>
+      </p:sp>
+      <p:sp>
+        <p:nvSpPr>
+          <p:cNvPr id="4" name="Espace réservé du numéro de diapositive 3"/>
+          <p:cNvSpPr>
+            <a:spLocks noGrp="1"/>
+          </p:cNvSpPr>
+          <p:nvPr>
+            <p:ph type="sldNum" sz="quarter" idx="10"/>
+          </p:nvPr>
+        </p:nvSpPr>
+        <p:spPr/>
+        <p:txBody>
+          <a:bodyPr/>
+          <a:lstStyle/>
+          <a:p>
+            <a:fld id="{5CB35168-9EF1-4119-99EB-CB833D4EE420}" type="slidenum">
+              <a:rPr lang="fr-FR" smtClean="0"/>
+              <a:t>2</a:t>
+            </a:fld>
+            <a:endParaRPr lang="fr-FR"/>
+          </a:p>
+        </p:txBody>
+      </p:sp>
+    </p:spTree>
+  </p:cSld>
+  <p:clrMapOvr>
+    <a:masterClrMapping/>
+  </p:clrMapOvr>
+</p:notes>
+</file>
+
 <file path=ppt/slideLayouts/slideLayout1.xml><?xml version="1.0" encoding="utf-8"?>
 <p:sldLayout xmlns:a="http://schemas.openxmlformats.org/drawingml/2006/main" xmlns:r="http://schemas.openxmlformats.org/officeDocument/2006/relationships" xmlns:p="http://schemas.openxmlformats.org/presentationml/2006/main" type="title" preserve="1">
   <p:cSld name="Title Slide">
@@ -288,7 +817,8 @@
           <a:p>
             <a:fld id="{1E1E9E10-7DA9-4D35-9194-D391DE71477D}" type="datetimeFigureOut">
               <a:rPr lang="en-US" smtClean="0"/>
-              <a:t>6/3/2014</a:t>
+              <a:pPr/>
+              <a:t>7/7/2014</a:t>
             </a:fld>
             <a:endParaRPr lang="en-US"/>
           </a:p>
@@ -330,7 +860,8 @@
           <a:p>
             <a:fld id="{AF7BE329-6AA5-4536-B302-7D5B3026C10C}" type="slidenum">
               <a:rPr lang="en-US" smtClean="0"/>
-              <a:t>‹#›</a:t>
+              <a:pPr/>
+              <a:t>‹N°›</a:t>
             </a:fld>
             <a:endParaRPr lang="en-US"/>
           </a:p>
@@ -339,7 +870,7 @@
     </p:spTree>
     <p:extLst>
       <p:ext uri="{BB962C8B-B14F-4D97-AF65-F5344CB8AC3E}">
-        <p14:creationId xmlns:p14="http://schemas.microsoft.com/office/powerpoint/2010/main" val="1219386337"/>
+        <p14:creationId xmlns:p14="http://schemas.microsoft.com/office/powerpoint/2010/main" xmlns="" val="1219386337"/>
       </p:ext>
     </p:extLst>
   </p:cSld>
@@ -458,7 +989,8 @@
           <a:p>
             <a:fld id="{1E1E9E10-7DA9-4D35-9194-D391DE71477D}" type="datetimeFigureOut">
               <a:rPr lang="en-US" smtClean="0"/>
-              <a:t>6/3/2014</a:t>
+              <a:pPr/>
+              <a:t>7/7/2014</a:t>
             </a:fld>
             <a:endParaRPr lang="en-US"/>
           </a:p>
@@ -500,7 +1032,8 @@
           <a:p>
             <a:fld id="{AF7BE329-6AA5-4536-B302-7D5B3026C10C}" type="slidenum">
               <a:rPr lang="en-US" smtClean="0"/>
-              <a:t>‹#›</a:t>
+              <a:pPr/>
+              <a:t>‹N°›</a:t>
             </a:fld>
             <a:endParaRPr lang="en-US"/>
           </a:p>
@@ -509,7 +1042,7 @@
     </p:spTree>
     <p:extLst>
       <p:ext uri="{BB962C8B-B14F-4D97-AF65-F5344CB8AC3E}">
-        <p14:creationId xmlns:p14="http://schemas.microsoft.com/office/powerpoint/2010/main" val="1143417099"/>
+        <p14:creationId xmlns:p14="http://schemas.microsoft.com/office/powerpoint/2010/main" xmlns="" val="1143417099"/>
       </p:ext>
     </p:extLst>
   </p:cSld>
@@ -638,7 +1171,8 @@
           <a:p>
             <a:fld id="{1E1E9E10-7DA9-4D35-9194-D391DE71477D}" type="datetimeFigureOut">
               <a:rPr lang="en-US" smtClean="0"/>
-              <a:t>6/3/2014</a:t>
+              <a:pPr/>
+              <a:t>7/7/2014</a:t>
             </a:fld>
             <a:endParaRPr lang="en-US"/>
           </a:p>
@@ -680,7 +1214,8 @@
           <a:p>
             <a:fld id="{AF7BE329-6AA5-4536-B302-7D5B3026C10C}" type="slidenum">
               <a:rPr lang="en-US" smtClean="0"/>
-              <a:t>‹#›</a:t>
+              <a:pPr/>
+              <a:t>‹N°›</a:t>
             </a:fld>
             <a:endParaRPr lang="en-US"/>
           </a:p>
@@ -689,7 +1224,7 @@
     </p:spTree>
     <p:extLst>
       <p:ext uri="{BB962C8B-B14F-4D97-AF65-F5344CB8AC3E}">
-        <p14:creationId xmlns:p14="http://schemas.microsoft.com/office/powerpoint/2010/main" val="1184070616"/>
+        <p14:creationId xmlns:p14="http://schemas.microsoft.com/office/powerpoint/2010/main" xmlns="" val="1184070616"/>
       </p:ext>
     </p:extLst>
   </p:cSld>
@@ -808,7 +1343,8 @@
           <a:p>
             <a:fld id="{1E1E9E10-7DA9-4D35-9194-D391DE71477D}" type="datetimeFigureOut">
               <a:rPr lang="en-US" smtClean="0"/>
-              <a:t>6/3/2014</a:t>
+              <a:pPr/>
+              <a:t>7/7/2014</a:t>
             </a:fld>
             <a:endParaRPr lang="en-US"/>
           </a:p>
@@ -850,7 +1386,8 @@
           <a:p>
             <a:fld id="{AF7BE329-6AA5-4536-B302-7D5B3026C10C}" type="slidenum">
               <a:rPr lang="en-US" smtClean="0"/>
-              <a:t>‹#›</a:t>
+              <a:pPr/>
+              <a:t>‹N°›</a:t>
             </a:fld>
             <a:endParaRPr lang="en-US"/>
           </a:p>
@@ -859,7 +1396,7 @@
     </p:spTree>
     <p:extLst>
       <p:ext uri="{BB962C8B-B14F-4D97-AF65-F5344CB8AC3E}">
-        <p14:creationId xmlns:p14="http://schemas.microsoft.com/office/powerpoint/2010/main" val="1129375943"/>
+        <p14:creationId xmlns:p14="http://schemas.microsoft.com/office/powerpoint/2010/main" xmlns="" val="1129375943"/>
       </p:ext>
     </p:extLst>
   </p:cSld>
@@ -1054,7 +1591,8 @@
           <a:p>
             <a:fld id="{1E1E9E10-7DA9-4D35-9194-D391DE71477D}" type="datetimeFigureOut">
               <a:rPr lang="en-US" smtClean="0"/>
-              <a:t>6/3/2014</a:t>
+              <a:pPr/>
+              <a:t>7/7/2014</a:t>
             </a:fld>
             <a:endParaRPr lang="en-US"/>
           </a:p>
@@ -1096,7 +1634,8 @@
           <a:p>
             <a:fld id="{AF7BE329-6AA5-4536-B302-7D5B3026C10C}" type="slidenum">
               <a:rPr lang="en-US" smtClean="0"/>
-              <a:t>‹#›</a:t>
+              <a:pPr/>
+              <a:t>‹N°›</a:t>
             </a:fld>
             <a:endParaRPr lang="en-US"/>
           </a:p>
@@ -1105,7 +1644,7 @@
     </p:spTree>
     <p:extLst>
       <p:ext uri="{BB962C8B-B14F-4D97-AF65-F5344CB8AC3E}">
-        <p14:creationId xmlns:p14="http://schemas.microsoft.com/office/powerpoint/2010/main" val="379042218"/>
+        <p14:creationId xmlns:p14="http://schemas.microsoft.com/office/powerpoint/2010/main" xmlns="" val="379042218"/>
       </p:ext>
     </p:extLst>
   </p:cSld>
@@ -1342,7 +1881,8 @@
           <a:p>
             <a:fld id="{1E1E9E10-7DA9-4D35-9194-D391DE71477D}" type="datetimeFigureOut">
               <a:rPr lang="en-US" smtClean="0"/>
-              <a:t>6/3/2014</a:t>
+              <a:pPr/>
+              <a:t>7/7/2014</a:t>
             </a:fld>
             <a:endParaRPr lang="en-US"/>
           </a:p>
@@ -1384,7 +1924,8 @@
           <a:p>
             <a:fld id="{AF7BE329-6AA5-4536-B302-7D5B3026C10C}" type="slidenum">
               <a:rPr lang="en-US" smtClean="0"/>
-              <a:t>‹#›</a:t>
+              <a:pPr/>
+              <a:t>‹N°›</a:t>
             </a:fld>
             <a:endParaRPr lang="en-US"/>
           </a:p>
@@ -1393,7 +1934,7 @@
     </p:spTree>
     <p:extLst>
       <p:ext uri="{BB962C8B-B14F-4D97-AF65-F5344CB8AC3E}">
-        <p14:creationId xmlns:p14="http://schemas.microsoft.com/office/powerpoint/2010/main" val="3771395244"/>
+        <p14:creationId xmlns:p14="http://schemas.microsoft.com/office/powerpoint/2010/main" xmlns="" val="3771395244"/>
       </p:ext>
     </p:extLst>
   </p:cSld>
@@ -1764,7 +2305,8 @@
           <a:p>
             <a:fld id="{1E1E9E10-7DA9-4D35-9194-D391DE71477D}" type="datetimeFigureOut">
               <a:rPr lang="en-US" smtClean="0"/>
-              <a:t>6/3/2014</a:t>
+              <a:pPr/>
+              <a:t>7/7/2014</a:t>
             </a:fld>
             <a:endParaRPr lang="en-US"/>
           </a:p>
@@ -1806,7 +2348,8 @@
           <a:p>
             <a:fld id="{AF7BE329-6AA5-4536-B302-7D5B3026C10C}" type="slidenum">
               <a:rPr lang="en-US" smtClean="0"/>
-              <a:t>‹#›</a:t>
+              <a:pPr/>
+              <a:t>‹N°›</a:t>
             </a:fld>
             <a:endParaRPr lang="en-US"/>
           </a:p>
@@ -1815,7 +2358,7 @@
     </p:spTree>
     <p:extLst>
       <p:ext uri="{BB962C8B-B14F-4D97-AF65-F5344CB8AC3E}">
-        <p14:creationId xmlns:p14="http://schemas.microsoft.com/office/powerpoint/2010/main" val="1287761840"/>
+        <p14:creationId xmlns:p14="http://schemas.microsoft.com/office/powerpoint/2010/main" xmlns="" val="1287761840"/>
       </p:ext>
     </p:extLst>
   </p:cSld>
@@ -1882,7 +2425,8 @@
           <a:p>
             <a:fld id="{1E1E9E10-7DA9-4D35-9194-D391DE71477D}" type="datetimeFigureOut">
               <a:rPr lang="en-US" smtClean="0"/>
-              <a:t>6/3/2014</a:t>
+              <a:pPr/>
+              <a:t>7/7/2014</a:t>
             </a:fld>
             <a:endParaRPr lang="en-US"/>
           </a:p>
@@ -1924,7 +2468,8 @@
           <a:p>
             <a:fld id="{AF7BE329-6AA5-4536-B302-7D5B3026C10C}" type="slidenum">
               <a:rPr lang="en-US" smtClean="0"/>
-              <a:t>‹#›</a:t>
+              <a:pPr/>
+              <a:t>‹N°›</a:t>
             </a:fld>
             <a:endParaRPr lang="en-US"/>
           </a:p>
@@ -1933,7 +2478,7 @@
     </p:spTree>
     <p:extLst>
       <p:ext uri="{BB962C8B-B14F-4D97-AF65-F5344CB8AC3E}">
-        <p14:creationId xmlns:p14="http://schemas.microsoft.com/office/powerpoint/2010/main" val="4286876540"/>
+        <p14:creationId xmlns:p14="http://schemas.microsoft.com/office/powerpoint/2010/main" xmlns="" val="4286876540"/>
       </p:ext>
     </p:extLst>
   </p:cSld>
@@ -1977,7 +2522,8 @@
           <a:p>
             <a:fld id="{1E1E9E10-7DA9-4D35-9194-D391DE71477D}" type="datetimeFigureOut">
               <a:rPr lang="en-US" smtClean="0"/>
-              <a:t>6/3/2014</a:t>
+              <a:pPr/>
+              <a:t>7/7/2014</a:t>
             </a:fld>
             <a:endParaRPr lang="en-US"/>
           </a:p>
@@ -2019,7 +2565,8 @@
           <a:p>
             <a:fld id="{AF7BE329-6AA5-4536-B302-7D5B3026C10C}" type="slidenum">
               <a:rPr lang="en-US" smtClean="0"/>
-              <a:t>‹#›</a:t>
+              <a:pPr/>
+              <a:t>‹N°›</a:t>
             </a:fld>
             <a:endParaRPr lang="en-US"/>
           </a:p>
@@ -2028,7 +2575,7 @@
     </p:spTree>
     <p:extLst>
       <p:ext uri="{BB962C8B-B14F-4D97-AF65-F5344CB8AC3E}">
-        <p14:creationId xmlns:p14="http://schemas.microsoft.com/office/powerpoint/2010/main" val="142005832"/>
+        <p14:creationId xmlns:p14="http://schemas.microsoft.com/office/powerpoint/2010/main" xmlns="" val="142005832"/>
       </p:ext>
     </p:extLst>
   </p:cSld>
@@ -2254,7 +2801,8 @@
           <a:p>
             <a:fld id="{1E1E9E10-7DA9-4D35-9194-D391DE71477D}" type="datetimeFigureOut">
               <a:rPr lang="en-US" smtClean="0"/>
-              <a:t>6/3/2014</a:t>
+              <a:pPr/>
+              <a:t>7/7/2014</a:t>
             </a:fld>
             <a:endParaRPr lang="en-US"/>
           </a:p>
@@ -2296,7 +2844,8 @@
           <a:p>
             <a:fld id="{AF7BE329-6AA5-4536-B302-7D5B3026C10C}" type="slidenum">
               <a:rPr lang="en-US" smtClean="0"/>
-              <a:t>‹#›</a:t>
+              <a:pPr/>
+              <a:t>‹N°›</a:t>
             </a:fld>
             <a:endParaRPr lang="en-US"/>
           </a:p>
@@ -2305,7 +2854,7 @@
     </p:spTree>
     <p:extLst>
       <p:ext uri="{BB962C8B-B14F-4D97-AF65-F5344CB8AC3E}">
-        <p14:creationId xmlns:p14="http://schemas.microsoft.com/office/powerpoint/2010/main" val="3928136970"/>
+        <p14:creationId xmlns:p14="http://schemas.microsoft.com/office/powerpoint/2010/main" xmlns="" val="3928136970"/>
       </p:ext>
     </p:extLst>
   </p:cSld>
@@ -2507,7 +3056,8 @@
           <a:p>
             <a:fld id="{1E1E9E10-7DA9-4D35-9194-D391DE71477D}" type="datetimeFigureOut">
               <a:rPr lang="en-US" smtClean="0"/>
-              <a:t>6/3/2014</a:t>
+              <a:pPr/>
+              <a:t>7/7/2014</a:t>
             </a:fld>
             <a:endParaRPr lang="en-US"/>
           </a:p>
@@ -2549,7 +3099,8 @@
           <a:p>
             <a:fld id="{AF7BE329-6AA5-4536-B302-7D5B3026C10C}" type="slidenum">
               <a:rPr lang="en-US" smtClean="0"/>
-              <a:t>‹#›</a:t>
+              <a:pPr/>
+              <a:t>‹N°›</a:t>
             </a:fld>
             <a:endParaRPr lang="en-US"/>
           </a:p>
@@ -2558,7 +3109,7 @@
     </p:spTree>
     <p:extLst>
       <p:ext uri="{BB962C8B-B14F-4D97-AF65-F5344CB8AC3E}">
-        <p14:creationId xmlns:p14="http://schemas.microsoft.com/office/powerpoint/2010/main" val="355286218"/>
+        <p14:creationId xmlns:p14="http://schemas.microsoft.com/office/powerpoint/2010/main" xmlns="" val="355286218"/>
       </p:ext>
     </p:extLst>
   </p:cSld>
@@ -2720,7 +3271,8 @@
           <a:p>
             <a:fld id="{1E1E9E10-7DA9-4D35-9194-D391DE71477D}" type="datetimeFigureOut">
               <a:rPr lang="en-US" smtClean="0"/>
-              <a:t>6/3/2014</a:t>
+              <a:pPr/>
+              <a:t>7/7/2014</a:t>
             </a:fld>
             <a:endParaRPr lang="en-US"/>
           </a:p>
@@ -2798,7 +3350,8 @@
           <a:p>
             <a:fld id="{AF7BE329-6AA5-4536-B302-7D5B3026C10C}" type="slidenum">
               <a:rPr lang="en-US" smtClean="0"/>
-              <a:t>‹#›</a:t>
+              <a:pPr/>
+              <a:t>‹N°›</a:t>
             </a:fld>
             <a:endParaRPr lang="en-US"/>
           </a:p>
@@ -2807,7 +3360,7 @@
     </p:spTree>
     <p:extLst>
       <p:ext uri="{BB962C8B-B14F-4D97-AF65-F5344CB8AC3E}">
-        <p14:creationId xmlns:p14="http://schemas.microsoft.com/office/powerpoint/2010/main" val="1039887569"/>
+        <p14:creationId xmlns:p14="http://schemas.microsoft.com/office/powerpoint/2010/main" xmlns="" val="1039887569"/>
       </p:ext>
     </p:extLst>
   </p:cSld>
@@ -3808,10 +4361,10 @@
           <p:nvPr/>
         </p:nvPicPr>
         <p:blipFill>
-          <a:blip r:embed="rId2">
+          <a:blip r:embed="rId3" cstate="print">
             <a:extLst>
               <a:ext uri="{28A0092B-C50C-407E-A947-70E740481C1C}">
-                <a14:useLocalDpi xmlns:a14="http://schemas.microsoft.com/office/drawing/2010/main" val="0"/>
+                <a14:useLocalDpi xmlns:a14="http://schemas.microsoft.com/office/drawing/2010/main" xmlns="" val="0"/>
               </a:ext>
             </a:extLst>
           </a:blip>
@@ -3831,7 +4384,7 @@
           <a:noFill/>
           <a:extLst>
             <a:ext uri="{909E8E84-426E-40DD-AFC4-6F175D3DCCD1}">
-              <a14:hiddenFill xmlns:a14="http://schemas.microsoft.com/office/drawing/2010/main">
+              <a14:hiddenFill xmlns:a14="http://schemas.microsoft.com/office/drawing/2010/main" xmlns="">
                 <a:solidFill>
                   <a:srgbClr val="FFFFFF"/>
                 </a:solidFill>
@@ -3967,7 +4520,6 @@
               <a:rPr lang="en-US" sz="1600" dirty="0" smtClean="0"/>
               <a:t>Local Working Directory</a:t>
             </a:r>
-            <a:endParaRPr lang="en-US" sz="1600" dirty="0" smtClean="0"/>
           </a:p>
         </p:txBody>
       </p:sp>
@@ -4099,7 +4651,6 @@
               <a:rPr lang="en-US" dirty="0"/>
               <a:t>4</a:t>
             </a:r>
-            <a:endParaRPr lang="en-US" dirty="0"/>
           </a:p>
         </p:txBody>
       </p:sp>
@@ -4242,13 +4793,1191 @@
     </p:spTree>
     <p:extLst>
       <p:ext uri="{BB962C8B-B14F-4D97-AF65-F5344CB8AC3E}">
-        <p14:creationId xmlns:p14="http://schemas.microsoft.com/office/powerpoint/2010/main" val="3413831671"/>
+        <p14:creationId xmlns:p14="http://schemas.microsoft.com/office/powerpoint/2010/main" xmlns="" val="3413831671"/>
       </p:ext>
     </p:extLst>
   </p:cSld>
   <p:clrMapOvr>
     <a:masterClrMapping/>
   </p:clrMapOvr>
+  <p:timing>
+    <p:tnLst>
+      <p:par>
+        <p:cTn id="1" dur="indefinite" restart="never" nodeType="tmRoot"/>
+      </p:par>
+    </p:tnLst>
+  </p:timing>
+</p:sld>
+</file>
+
+<file path=ppt/slides/slide2.xml><?xml version="1.0" encoding="utf-8"?>
+<p:sld xmlns:a="http://schemas.openxmlformats.org/drawingml/2006/main" xmlns:r="http://schemas.openxmlformats.org/officeDocument/2006/relationships" xmlns:p="http://schemas.openxmlformats.org/presentationml/2006/main">
+  <p:cSld>
+    <p:spTree>
+      <p:nvGrpSpPr>
+        <p:cNvPr id="1" name=""/>
+        <p:cNvGrpSpPr/>
+        <p:nvPr/>
+      </p:nvGrpSpPr>
+      <p:grpSpPr>
+        <a:xfrm>
+          <a:off x="0" y="0"/>
+          <a:ext cx="0" cy="0"/>
+          <a:chOff x="0" y="0"/>
+          <a:chExt cx="0" cy="0"/>
+        </a:xfrm>
+      </p:grpSpPr>
+      <p:sp>
+        <p:nvSpPr>
+          <p:cNvPr id="2" name="Rounded Rectangle 1"/>
+          <p:cNvSpPr/>
+          <p:nvPr/>
+        </p:nvSpPr>
+        <p:spPr>
+          <a:xfrm>
+            <a:off x="3419872" y="908720"/>
+            <a:ext cx="2274373" cy="1756306"/>
+          </a:xfrm>
+          <a:prstGeom prst="roundRect">
+            <a:avLst/>
+          </a:prstGeom>
+        </p:spPr>
+        <p:style>
+          <a:lnRef idx="2">
+            <a:schemeClr val="accent1">
+              <a:shade val="50000"/>
+            </a:schemeClr>
+          </a:lnRef>
+          <a:fillRef idx="1">
+            <a:schemeClr val="accent1"/>
+          </a:fillRef>
+          <a:effectRef idx="0">
+            <a:schemeClr val="accent1"/>
+          </a:effectRef>
+          <a:fontRef idx="minor">
+            <a:schemeClr val="lt1"/>
+          </a:fontRef>
+        </p:style>
+        <p:txBody>
+          <a:bodyPr rtlCol="0" anchor="t" anchorCtr="0"/>
+          <a:lstStyle/>
+          <a:p>
+            <a:pPr algn="ctr"/>
+            <a:r>
+              <a:rPr lang="en-US" smtClean="0"/>
+              <a:t>              Eclipse</a:t>
+            </a:r>
+            <a:endParaRPr lang="en-US" smtClean="0"/>
+          </a:p>
+        </p:txBody>
+      </p:sp>
+      <p:sp>
+        <p:nvSpPr>
+          <p:cNvPr id="4" name="Rounded Rectangle 3"/>
+          <p:cNvSpPr/>
+          <p:nvPr/>
+        </p:nvSpPr>
+        <p:spPr>
+          <a:xfrm>
+            <a:off x="3635896" y="188640"/>
+            <a:ext cx="1773242" cy="369799"/>
+          </a:xfrm>
+          <a:prstGeom prst="roundRect">
+            <a:avLst/>
+          </a:prstGeom>
+        </p:spPr>
+        <p:style>
+          <a:lnRef idx="1">
+            <a:schemeClr val="dk1"/>
+          </a:lnRef>
+          <a:fillRef idx="2">
+            <a:schemeClr val="dk1"/>
+          </a:fillRef>
+          <a:effectRef idx="1">
+            <a:schemeClr val="dk1"/>
+          </a:effectRef>
+          <a:fontRef idx="minor">
+            <a:schemeClr val="dk1"/>
+          </a:fontRef>
+        </p:style>
+        <p:txBody>
+          <a:bodyPr rtlCol="0" anchor="ctr"/>
+          <a:lstStyle/>
+          <a:p>
+            <a:pPr algn="ctr"/>
+            <a:r>
+              <a:rPr lang="en-US" smtClean="0"/>
+              <a:t>Dev Geoserver</a:t>
+            </a:r>
+            <a:endParaRPr lang="en-US"/>
+          </a:p>
+        </p:txBody>
+      </p:sp>
+      <p:sp>
+        <p:nvSpPr>
+          <p:cNvPr id="5" name="Snip Diagonal Corner Rectangle 4"/>
+          <p:cNvSpPr/>
+          <p:nvPr/>
+        </p:nvSpPr>
+        <p:spPr>
+          <a:xfrm>
+            <a:off x="6156176" y="1412776"/>
+            <a:ext cx="1080120" cy="504056"/>
+          </a:xfrm>
+          <a:prstGeom prst="snip2DiagRect">
+            <a:avLst/>
+          </a:prstGeom>
+        </p:spPr>
+        <p:style>
+          <a:lnRef idx="2">
+            <a:schemeClr val="accent1">
+              <a:shade val="50000"/>
+            </a:schemeClr>
+          </a:lnRef>
+          <a:fillRef idx="1">
+            <a:schemeClr val="accent1"/>
+          </a:fillRef>
+          <a:effectRef idx="0">
+            <a:schemeClr val="accent1"/>
+          </a:effectRef>
+          <a:fontRef idx="minor">
+            <a:schemeClr val="lt1"/>
+          </a:fontRef>
+        </p:style>
+        <p:txBody>
+          <a:bodyPr rtlCol="0" anchor="ctr"/>
+          <a:lstStyle/>
+          <a:p>
+            <a:pPr algn="ctr"/>
+            <a:r>
+              <a:rPr lang="en-US" smtClean="0"/>
+              <a:t>GitHub</a:t>
+            </a:r>
+            <a:br>
+              <a:rPr lang="en-US" smtClean="0"/>
+            </a:br>
+            <a:r>
+              <a:rPr lang="en-US" smtClean="0"/>
+              <a:t>(HEAD)</a:t>
+            </a:r>
+            <a:endParaRPr lang="en-US"/>
+          </a:p>
+        </p:txBody>
+      </p:sp>
+      <p:sp>
+        <p:nvSpPr>
+          <p:cNvPr id="8" name="Down Arrow 7"/>
+          <p:cNvSpPr/>
+          <p:nvPr/>
+        </p:nvSpPr>
+        <p:spPr>
+          <a:xfrm>
+            <a:off x="4355976" y="620688"/>
+            <a:ext cx="144016" cy="792088"/>
+          </a:xfrm>
+          <a:prstGeom prst="downArrow">
+            <a:avLst/>
+          </a:prstGeom>
+        </p:spPr>
+        <p:style>
+          <a:lnRef idx="2">
+            <a:schemeClr val="accent1">
+              <a:shade val="50000"/>
+            </a:schemeClr>
+          </a:lnRef>
+          <a:fillRef idx="1">
+            <a:schemeClr val="accent1"/>
+          </a:fillRef>
+          <a:effectRef idx="0">
+            <a:schemeClr val="accent1"/>
+          </a:effectRef>
+          <a:fontRef idx="minor">
+            <a:schemeClr val="lt1"/>
+          </a:fontRef>
+        </p:style>
+        <p:txBody>
+          <a:bodyPr rtlCol="0" anchor="ctr"/>
+          <a:lstStyle/>
+          <a:p>
+            <a:pPr algn="ctr"/>
+            <a:endParaRPr lang="en-US"/>
+          </a:p>
+        </p:txBody>
+      </p:sp>
+      <p:sp>
+        <p:nvSpPr>
+          <p:cNvPr id="9" name="Rounded Rectangle 8"/>
+          <p:cNvSpPr/>
+          <p:nvPr/>
+        </p:nvSpPr>
+        <p:spPr>
+          <a:xfrm>
+            <a:off x="6819376" y="3146653"/>
+            <a:ext cx="1773243" cy="369799"/>
+          </a:xfrm>
+          <a:prstGeom prst="roundRect">
+            <a:avLst/>
+          </a:prstGeom>
+        </p:spPr>
+        <p:style>
+          <a:lnRef idx="1">
+            <a:schemeClr val="dk1"/>
+          </a:lnRef>
+          <a:fillRef idx="2">
+            <a:schemeClr val="dk1"/>
+          </a:fillRef>
+          <a:effectRef idx="1">
+            <a:schemeClr val="dk1"/>
+          </a:effectRef>
+          <a:fontRef idx="minor">
+            <a:schemeClr val="dk1"/>
+          </a:fontRef>
+        </p:style>
+        <p:txBody>
+          <a:bodyPr rtlCol="0" anchor="ctr"/>
+          <a:lstStyle/>
+          <a:p>
+            <a:pPr algn="ctr"/>
+            <a:r>
+              <a:rPr lang="en-US" smtClean="0"/>
+              <a:t>Test Geoserver</a:t>
+            </a:r>
+            <a:endParaRPr lang="en-US"/>
+          </a:p>
+        </p:txBody>
+      </p:sp>
+      <p:sp>
+        <p:nvSpPr>
+          <p:cNvPr id="10" name="Snip Diagonal Corner Rectangle 9"/>
+          <p:cNvSpPr/>
+          <p:nvPr/>
+        </p:nvSpPr>
+        <p:spPr>
+          <a:xfrm>
+            <a:off x="7247599" y="4033327"/>
+            <a:ext cx="792088" cy="278273"/>
+          </a:xfrm>
+          <a:prstGeom prst="snip2DiagRect">
+            <a:avLst/>
+          </a:prstGeom>
+        </p:spPr>
+        <p:style>
+          <a:lnRef idx="2">
+            <a:schemeClr val="accent1">
+              <a:shade val="50000"/>
+            </a:schemeClr>
+          </a:lnRef>
+          <a:fillRef idx="1">
+            <a:schemeClr val="accent1"/>
+          </a:fillRef>
+          <a:effectRef idx="0">
+            <a:schemeClr val="accent1"/>
+          </a:effectRef>
+          <a:fontRef idx="minor">
+            <a:schemeClr val="lt1"/>
+          </a:fontRef>
+        </p:style>
+        <p:txBody>
+          <a:bodyPr rtlCol="0" anchor="ctr"/>
+          <a:lstStyle/>
+          <a:p>
+            <a:pPr algn="ctr"/>
+            <a:r>
+              <a:rPr lang="en-US" smtClean="0"/>
+              <a:t>GDD</a:t>
+            </a:r>
+            <a:endParaRPr lang="en-US"/>
+          </a:p>
+        </p:txBody>
+      </p:sp>
+      <p:sp>
+        <p:nvSpPr>
+          <p:cNvPr id="11" name="Down Arrow 10"/>
+          <p:cNvSpPr/>
+          <p:nvPr/>
+        </p:nvSpPr>
+        <p:spPr>
+          <a:xfrm>
+            <a:off x="7580636" y="3529271"/>
+            <a:ext cx="126014" cy="504056"/>
+          </a:xfrm>
+          <a:prstGeom prst="downArrow">
+            <a:avLst/>
+          </a:prstGeom>
+        </p:spPr>
+        <p:style>
+          <a:lnRef idx="2">
+            <a:schemeClr val="accent1">
+              <a:shade val="50000"/>
+            </a:schemeClr>
+          </a:lnRef>
+          <a:fillRef idx="1">
+            <a:schemeClr val="accent1"/>
+          </a:fillRef>
+          <a:effectRef idx="0">
+            <a:schemeClr val="accent1"/>
+          </a:effectRef>
+          <a:fontRef idx="minor">
+            <a:schemeClr val="lt1"/>
+          </a:fontRef>
+        </p:style>
+        <p:txBody>
+          <a:bodyPr rtlCol="0" anchor="ctr"/>
+          <a:lstStyle/>
+          <a:p>
+            <a:pPr algn="ctr"/>
+            <a:endParaRPr lang="en-US"/>
+          </a:p>
+        </p:txBody>
+      </p:sp>
+      <p:sp>
+        <p:nvSpPr>
+          <p:cNvPr id="12" name="Rounded Rectangle 11"/>
+          <p:cNvSpPr/>
+          <p:nvPr/>
+        </p:nvSpPr>
+        <p:spPr>
+          <a:xfrm>
+            <a:off x="6819376" y="5575164"/>
+            <a:ext cx="1845904" cy="369799"/>
+          </a:xfrm>
+          <a:prstGeom prst="roundRect">
+            <a:avLst/>
+          </a:prstGeom>
+        </p:spPr>
+        <p:style>
+          <a:lnRef idx="1">
+            <a:schemeClr val="dk1"/>
+          </a:lnRef>
+          <a:fillRef idx="2">
+            <a:schemeClr val="dk1"/>
+          </a:fillRef>
+          <a:effectRef idx="1">
+            <a:schemeClr val="dk1"/>
+          </a:effectRef>
+          <a:fontRef idx="minor">
+            <a:schemeClr val="dk1"/>
+          </a:fontRef>
+        </p:style>
+        <p:txBody>
+          <a:bodyPr rtlCol="0" anchor="ctr"/>
+          <a:lstStyle/>
+          <a:p>
+            <a:pPr algn="ctr"/>
+            <a:r>
+              <a:rPr lang="en-US" smtClean="0"/>
+              <a:t>Prod Geoserver</a:t>
+            </a:r>
+            <a:endParaRPr lang="en-US"/>
+          </a:p>
+        </p:txBody>
+      </p:sp>
+      <p:sp>
+        <p:nvSpPr>
+          <p:cNvPr id="13" name="Snip Diagonal Corner Rectangle 12"/>
+          <p:cNvSpPr/>
+          <p:nvPr/>
+        </p:nvSpPr>
+        <p:spPr>
+          <a:xfrm>
+            <a:off x="7247599" y="6461838"/>
+            <a:ext cx="792088" cy="278273"/>
+          </a:xfrm>
+          <a:prstGeom prst="snip2DiagRect">
+            <a:avLst/>
+          </a:prstGeom>
+        </p:spPr>
+        <p:style>
+          <a:lnRef idx="2">
+            <a:schemeClr val="accent1">
+              <a:shade val="50000"/>
+            </a:schemeClr>
+          </a:lnRef>
+          <a:fillRef idx="1">
+            <a:schemeClr val="accent1"/>
+          </a:fillRef>
+          <a:effectRef idx="0">
+            <a:schemeClr val="accent1"/>
+          </a:effectRef>
+          <a:fontRef idx="minor">
+            <a:schemeClr val="lt1"/>
+          </a:fontRef>
+        </p:style>
+        <p:txBody>
+          <a:bodyPr rtlCol="0" anchor="ctr"/>
+          <a:lstStyle/>
+          <a:p>
+            <a:pPr algn="ctr"/>
+            <a:r>
+              <a:rPr lang="en-US" smtClean="0"/>
+              <a:t>GDD</a:t>
+            </a:r>
+            <a:endParaRPr lang="en-US"/>
+          </a:p>
+        </p:txBody>
+      </p:sp>
+      <p:sp>
+        <p:nvSpPr>
+          <p:cNvPr id="14" name="Down Arrow 13"/>
+          <p:cNvSpPr/>
+          <p:nvPr/>
+        </p:nvSpPr>
+        <p:spPr>
+          <a:xfrm>
+            <a:off x="7580636" y="5957782"/>
+            <a:ext cx="126014" cy="504056"/>
+          </a:xfrm>
+          <a:prstGeom prst="downArrow">
+            <a:avLst/>
+          </a:prstGeom>
+        </p:spPr>
+        <p:style>
+          <a:lnRef idx="2">
+            <a:schemeClr val="accent1">
+              <a:shade val="50000"/>
+            </a:schemeClr>
+          </a:lnRef>
+          <a:fillRef idx="1">
+            <a:schemeClr val="accent1"/>
+          </a:fillRef>
+          <a:effectRef idx="0">
+            <a:schemeClr val="accent1"/>
+          </a:effectRef>
+          <a:fontRef idx="minor">
+            <a:schemeClr val="lt1"/>
+          </a:fontRef>
+        </p:style>
+        <p:txBody>
+          <a:bodyPr rtlCol="0" anchor="ctr"/>
+          <a:lstStyle/>
+          <a:p>
+            <a:pPr algn="ctr"/>
+            <a:endParaRPr lang="en-US"/>
+          </a:p>
+        </p:txBody>
+      </p:sp>
+      <p:sp>
+        <p:nvSpPr>
+          <p:cNvPr id="15" name="Can 14"/>
+          <p:cNvSpPr/>
+          <p:nvPr/>
+        </p:nvSpPr>
+        <p:spPr>
+          <a:xfrm>
+            <a:off x="3707904" y="3284984"/>
+            <a:ext cx="1368152" cy="720080"/>
+          </a:xfrm>
+          <a:prstGeom prst="can">
+            <a:avLst/>
+          </a:prstGeom>
+        </p:spPr>
+        <p:style>
+          <a:lnRef idx="2">
+            <a:schemeClr val="accent1">
+              <a:shade val="50000"/>
+            </a:schemeClr>
+          </a:lnRef>
+          <a:fillRef idx="1">
+            <a:schemeClr val="accent1"/>
+          </a:fillRef>
+          <a:effectRef idx="0">
+            <a:schemeClr val="accent1"/>
+          </a:effectRef>
+          <a:fontRef idx="minor">
+            <a:schemeClr val="lt1"/>
+          </a:fontRef>
+        </p:style>
+        <p:txBody>
+          <a:bodyPr rtlCol="0" anchor="ctr"/>
+          <a:lstStyle/>
+          <a:p>
+            <a:pPr algn="ctr"/>
+            <a:r>
+              <a:rPr lang="en-US" smtClean="0"/>
+              <a:t>Git Repository</a:t>
+            </a:r>
+            <a:endParaRPr lang="en-US"/>
+          </a:p>
+        </p:txBody>
+      </p:sp>
+      <p:sp>
+        <p:nvSpPr>
+          <p:cNvPr id="16" name="Rounded Rectangle 15"/>
+          <p:cNvSpPr/>
+          <p:nvPr/>
+        </p:nvSpPr>
+        <p:spPr>
+          <a:xfrm>
+            <a:off x="4763342" y="2115745"/>
+            <a:ext cx="684076" cy="252028"/>
+          </a:xfrm>
+          <a:prstGeom prst="roundRect">
+            <a:avLst/>
+          </a:prstGeom>
+        </p:spPr>
+        <p:style>
+          <a:lnRef idx="2">
+            <a:schemeClr val="accent1">
+              <a:shade val="50000"/>
+            </a:schemeClr>
+          </a:lnRef>
+          <a:fillRef idx="1">
+            <a:schemeClr val="accent1"/>
+          </a:fillRef>
+          <a:effectRef idx="0">
+            <a:schemeClr val="accent1"/>
+          </a:effectRef>
+          <a:fontRef idx="minor">
+            <a:schemeClr val="lt1"/>
+          </a:fontRef>
+        </p:style>
+        <p:txBody>
+          <a:bodyPr rtlCol="0" anchor="ctr"/>
+          <a:lstStyle/>
+          <a:p>
+            <a:pPr algn="ctr"/>
+            <a:r>
+              <a:rPr lang="en-US"/>
+              <a:t>e</a:t>
+            </a:r>
+            <a:r>
+              <a:rPr lang="en-US" smtClean="0"/>
+              <a:t>git</a:t>
+            </a:r>
+          </a:p>
+        </p:txBody>
+      </p:sp>
+      <p:sp>
+        <p:nvSpPr>
+          <p:cNvPr id="21" name="Rounded Rectangle 20"/>
+          <p:cNvSpPr/>
+          <p:nvPr/>
+        </p:nvSpPr>
+        <p:spPr>
+          <a:xfrm>
+            <a:off x="3737209" y="4602277"/>
+            <a:ext cx="1368152" cy="504056"/>
+          </a:xfrm>
+          <a:prstGeom prst="roundRect">
+            <a:avLst/>
+          </a:prstGeom>
+        </p:spPr>
+        <p:style>
+          <a:lnRef idx="2">
+            <a:schemeClr val="accent1">
+              <a:shade val="50000"/>
+            </a:schemeClr>
+          </a:lnRef>
+          <a:fillRef idx="1">
+            <a:schemeClr val="accent1"/>
+          </a:fillRef>
+          <a:effectRef idx="0">
+            <a:schemeClr val="accent1"/>
+          </a:effectRef>
+          <a:fontRef idx="minor">
+            <a:schemeClr val="lt1"/>
+          </a:fontRef>
+        </p:style>
+        <p:txBody>
+          <a:bodyPr rtlCol="0" anchor="ctr"/>
+          <a:lstStyle/>
+          <a:p>
+            <a:pPr algn="ctr"/>
+            <a:r>
+              <a:rPr lang="en-US" smtClean="0"/>
+              <a:t>Maven</a:t>
+            </a:r>
+          </a:p>
+        </p:txBody>
+      </p:sp>
+      <p:sp>
+        <p:nvSpPr>
+          <p:cNvPr id="22" name="Down Arrow 21"/>
+          <p:cNvSpPr/>
+          <p:nvPr/>
+        </p:nvSpPr>
+        <p:spPr>
+          <a:xfrm>
+            <a:off x="4241265" y="4139324"/>
+            <a:ext cx="288032" cy="427169"/>
+          </a:xfrm>
+          <a:prstGeom prst="downArrow">
+            <a:avLst/>
+          </a:prstGeom>
+        </p:spPr>
+        <p:style>
+          <a:lnRef idx="2">
+            <a:schemeClr val="accent1">
+              <a:shade val="50000"/>
+            </a:schemeClr>
+          </a:lnRef>
+          <a:fillRef idx="1">
+            <a:schemeClr val="accent1"/>
+          </a:fillRef>
+          <a:effectRef idx="0">
+            <a:schemeClr val="accent1"/>
+          </a:effectRef>
+          <a:fontRef idx="minor">
+            <a:schemeClr val="lt1"/>
+          </a:fontRef>
+        </p:style>
+        <p:txBody>
+          <a:bodyPr rtlCol="0" anchor="ctr"/>
+          <a:lstStyle/>
+          <a:p>
+            <a:pPr algn="ctr"/>
+            <a:r>
+              <a:rPr lang="en-US" smtClean="0"/>
+              <a:t>6</a:t>
+            </a:r>
+            <a:endParaRPr lang="en-US"/>
+          </a:p>
+        </p:txBody>
+      </p:sp>
+      <p:sp>
+        <p:nvSpPr>
+          <p:cNvPr id="25" name="Down Arrow 24"/>
+          <p:cNvSpPr/>
+          <p:nvPr/>
+        </p:nvSpPr>
+        <p:spPr>
+          <a:xfrm rot="18231169">
+            <a:off x="6062449" y="4721100"/>
+            <a:ext cx="288032" cy="2279480"/>
+          </a:xfrm>
+          <a:prstGeom prst="downArrow">
+            <a:avLst/>
+          </a:prstGeom>
+        </p:spPr>
+        <p:style>
+          <a:lnRef idx="2">
+            <a:schemeClr val="accent1">
+              <a:shade val="50000"/>
+            </a:schemeClr>
+          </a:lnRef>
+          <a:fillRef idx="1">
+            <a:schemeClr val="accent1"/>
+          </a:fillRef>
+          <a:effectRef idx="0">
+            <a:schemeClr val="accent1"/>
+          </a:effectRef>
+          <a:fontRef idx="minor">
+            <a:schemeClr val="lt1"/>
+          </a:fontRef>
+        </p:style>
+        <p:txBody>
+          <a:bodyPr rtlCol="0" anchor="ctr"/>
+          <a:lstStyle/>
+          <a:p>
+            <a:pPr algn="ctr"/>
+            <a:r>
+              <a:rPr lang="en-US"/>
+              <a:t>8</a:t>
+            </a:r>
+            <a:endParaRPr lang="en-US" smtClean="0"/>
+          </a:p>
+        </p:txBody>
+      </p:sp>
+      <p:sp>
+        <p:nvSpPr>
+          <p:cNvPr id="26" name="Down Arrow 25"/>
+          <p:cNvSpPr/>
+          <p:nvPr/>
+        </p:nvSpPr>
+        <p:spPr>
+          <a:xfrm rot="15114693">
+            <a:off x="6140430" y="3585604"/>
+            <a:ext cx="288032" cy="1781166"/>
+          </a:xfrm>
+          <a:prstGeom prst="downArrow">
+            <a:avLst/>
+          </a:prstGeom>
+        </p:spPr>
+        <p:style>
+          <a:lnRef idx="2">
+            <a:schemeClr val="accent1">
+              <a:shade val="50000"/>
+            </a:schemeClr>
+          </a:lnRef>
+          <a:fillRef idx="1">
+            <a:schemeClr val="accent1"/>
+          </a:fillRef>
+          <a:effectRef idx="0">
+            <a:schemeClr val="accent1"/>
+          </a:effectRef>
+          <a:fontRef idx="minor">
+            <a:schemeClr val="lt1"/>
+          </a:fontRef>
+        </p:style>
+        <p:txBody>
+          <a:bodyPr rtlCol="0" anchor="ctr"/>
+          <a:lstStyle/>
+          <a:p>
+            <a:pPr algn="ctr"/>
+            <a:r>
+              <a:rPr lang="en-US" smtClean="0"/>
+              <a:t>7</a:t>
+            </a:r>
+            <a:endParaRPr lang="en-US"/>
+          </a:p>
+        </p:txBody>
+      </p:sp>
+      <p:pic>
+        <p:nvPicPr>
+          <p:cNvPr id="1026" name="Picture 2" descr="C:\Users\vaningen\Pictures\open_icon_library-standard\icons\png\128x128\actions\system-switch-user.png"/>
+          <p:cNvPicPr>
+            <a:picLocks noChangeAspect="1" noChangeArrowheads="1"/>
+          </p:cNvPicPr>
+          <p:nvPr/>
+        </p:nvPicPr>
+        <p:blipFill>
+          <a:blip r:embed="rId3" cstate="print">
+            <a:extLst>
+              <a:ext uri="{28A0092B-C50C-407E-A947-70E740481C1C}">
+                <a14:useLocalDpi xmlns:a14="http://schemas.microsoft.com/office/drawing/2010/main" xmlns="" val="0"/>
+              </a:ext>
+            </a:extLst>
+          </a:blip>
+          <a:srcRect/>
+          <a:stretch>
+            <a:fillRect/>
+          </a:stretch>
+        </p:blipFill>
+        <p:spPr bwMode="auto">
+          <a:xfrm>
+            <a:off x="437924" y="3220526"/>
+            <a:ext cx="1625600" cy="1625601"/>
+          </a:xfrm>
+          <a:prstGeom prst="rect">
+            <a:avLst/>
+          </a:prstGeom>
+          <a:noFill/>
+          <a:extLst>
+            <a:ext uri="{909E8E84-426E-40DD-AFC4-6F175D3DCCD1}">
+              <a14:hiddenFill xmlns:a14="http://schemas.microsoft.com/office/drawing/2010/main" xmlns="">
+                <a:solidFill>
+                  <a:srgbClr val="FFFFFF"/>
+                </a:solidFill>
+              </a14:hiddenFill>
+            </a:ext>
+          </a:extLst>
+        </p:spPr>
+      </p:pic>
+      <p:sp>
+        <p:nvSpPr>
+          <p:cNvPr id="30" name="Down Arrow 29"/>
+          <p:cNvSpPr/>
+          <p:nvPr/>
+        </p:nvSpPr>
+        <p:spPr>
+          <a:xfrm rot="13690511">
+            <a:off x="2492912" y="1994484"/>
+            <a:ext cx="288032" cy="1947334"/>
+          </a:xfrm>
+          <a:prstGeom prst="downArrow">
+            <a:avLst/>
+          </a:prstGeom>
+        </p:spPr>
+        <p:style>
+          <a:lnRef idx="2">
+            <a:schemeClr val="accent1">
+              <a:shade val="50000"/>
+            </a:schemeClr>
+          </a:lnRef>
+          <a:fillRef idx="1">
+            <a:schemeClr val="accent1"/>
+          </a:fillRef>
+          <a:effectRef idx="0">
+            <a:schemeClr val="accent1"/>
+          </a:effectRef>
+          <a:fontRef idx="minor">
+            <a:schemeClr val="lt1"/>
+          </a:fontRef>
+        </p:style>
+        <p:txBody>
+          <a:bodyPr vert="vert" rtlCol="0" anchor="ctr"/>
+          <a:lstStyle/>
+          <a:p>
+            <a:pPr algn="ctr"/>
+            <a:r>
+              <a:rPr lang="en-US" smtClean="0"/>
+              <a:t>2</a:t>
+            </a:r>
+            <a:endParaRPr lang="en-US"/>
+          </a:p>
+        </p:txBody>
+      </p:sp>
+      <p:sp>
+        <p:nvSpPr>
+          <p:cNvPr id="31" name="Down Arrow 30"/>
+          <p:cNvSpPr/>
+          <p:nvPr/>
+        </p:nvSpPr>
+        <p:spPr>
+          <a:xfrm rot="17016433">
+            <a:off x="2590627" y="3829574"/>
+            <a:ext cx="288032" cy="1698157"/>
+          </a:xfrm>
+          <a:prstGeom prst="downArrow">
+            <a:avLst/>
+          </a:prstGeom>
+        </p:spPr>
+        <p:style>
+          <a:lnRef idx="2">
+            <a:schemeClr val="accent1">
+              <a:shade val="50000"/>
+            </a:schemeClr>
+          </a:lnRef>
+          <a:fillRef idx="1">
+            <a:schemeClr val="accent1"/>
+          </a:fillRef>
+          <a:effectRef idx="0">
+            <a:schemeClr val="accent1"/>
+          </a:effectRef>
+          <a:fontRef idx="minor">
+            <a:schemeClr val="lt1"/>
+          </a:fontRef>
+        </p:style>
+        <p:txBody>
+          <a:bodyPr rtlCol="0" anchor="ctr"/>
+          <a:lstStyle/>
+          <a:p>
+            <a:pPr algn="ctr"/>
+            <a:r>
+              <a:rPr lang="en-US" smtClean="0"/>
+              <a:t>5</a:t>
+            </a:r>
+          </a:p>
+        </p:txBody>
+      </p:sp>
+      <p:sp>
+        <p:nvSpPr>
+          <p:cNvPr id="29" name="Rounded Rectangle 28"/>
+          <p:cNvSpPr/>
+          <p:nvPr/>
+        </p:nvSpPr>
+        <p:spPr>
+          <a:xfrm>
+            <a:off x="3851920" y="1412776"/>
+            <a:ext cx="1117470" cy="476943"/>
+          </a:xfrm>
+          <a:prstGeom prst="roundRect">
+            <a:avLst/>
+          </a:prstGeom>
+        </p:spPr>
+        <p:style>
+          <a:lnRef idx="2">
+            <a:schemeClr val="accent1">
+              <a:shade val="50000"/>
+            </a:schemeClr>
+          </a:lnRef>
+          <a:fillRef idx="1">
+            <a:schemeClr val="accent1"/>
+          </a:fillRef>
+          <a:effectRef idx="0">
+            <a:schemeClr val="accent1"/>
+          </a:effectRef>
+          <a:fontRef idx="minor">
+            <a:schemeClr val="lt1"/>
+          </a:fontRef>
+        </p:style>
+        <p:txBody>
+          <a:bodyPr rtlCol="0" anchor="ctr"/>
+          <a:lstStyle/>
+          <a:p>
+            <a:pPr algn="ctr"/>
+            <a:r>
+              <a:rPr lang="en-US" sz="1600" smtClean="0"/>
+              <a:t>GDD</a:t>
+            </a:r>
+            <a:endParaRPr lang="en-US" sz="1600" smtClean="0"/>
+          </a:p>
+        </p:txBody>
+      </p:sp>
+      <p:sp>
+        <p:nvSpPr>
+          <p:cNvPr id="33" name="Down Arrow 32"/>
+          <p:cNvSpPr/>
+          <p:nvPr/>
+        </p:nvSpPr>
+        <p:spPr>
+          <a:xfrm rot="13200000">
+            <a:off x="2250595" y="131921"/>
+            <a:ext cx="315399" cy="3198130"/>
+          </a:xfrm>
+          <a:prstGeom prst="downArrow">
+            <a:avLst/>
+          </a:prstGeom>
+        </p:spPr>
+        <p:style>
+          <a:lnRef idx="2">
+            <a:schemeClr val="accent1">
+              <a:shade val="50000"/>
+            </a:schemeClr>
+          </a:lnRef>
+          <a:fillRef idx="1">
+            <a:schemeClr val="accent1"/>
+          </a:fillRef>
+          <a:effectRef idx="0">
+            <a:schemeClr val="accent1"/>
+          </a:effectRef>
+          <a:fontRef idx="minor">
+            <a:schemeClr val="lt1"/>
+          </a:fontRef>
+        </p:style>
+        <p:txBody>
+          <a:bodyPr vert="vert" rtlCol="0" anchor="ctr"/>
+          <a:lstStyle/>
+          <a:p>
+            <a:pPr algn="ctr"/>
+            <a:r>
+              <a:rPr lang="en-US" smtClean="0"/>
+              <a:t>1</a:t>
+            </a:r>
+            <a:endParaRPr lang="en-US"/>
+          </a:p>
+        </p:txBody>
+      </p:sp>
+      <p:sp>
+        <p:nvSpPr>
+          <p:cNvPr id="34" name="Left-Right Arrow 33"/>
+          <p:cNvSpPr/>
+          <p:nvPr/>
+        </p:nvSpPr>
+        <p:spPr>
+          <a:xfrm>
+            <a:off x="5148064" y="1484784"/>
+            <a:ext cx="913581" cy="382618"/>
+          </a:xfrm>
+          <a:prstGeom prst="leftRightArrow">
+            <a:avLst/>
+          </a:prstGeom>
+        </p:spPr>
+        <p:style>
+          <a:lnRef idx="2">
+            <a:schemeClr val="accent1">
+              <a:shade val="50000"/>
+            </a:schemeClr>
+          </a:lnRef>
+          <a:fillRef idx="1">
+            <a:schemeClr val="accent1"/>
+          </a:fillRef>
+          <a:effectRef idx="0">
+            <a:schemeClr val="accent1"/>
+          </a:effectRef>
+          <a:fontRef idx="minor">
+            <a:schemeClr val="lt1"/>
+          </a:fontRef>
+        </p:style>
+        <p:txBody>
+          <a:bodyPr rtlCol="0" anchor="ctr"/>
+          <a:lstStyle/>
+          <a:p>
+            <a:pPr algn="ctr"/>
+            <a:r>
+              <a:rPr lang="en-US" smtClean="0"/>
+              <a:t>3</a:t>
+            </a:r>
+            <a:endParaRPr lang="en-US"/>
+          </a:p>
+        </p:txBody>
+      </p:sp>
+      <p:sp>
+        <p:nvSpPr>
+          <p:cNvPr id="18" name="Down Arrow 17"/>
+          <p:cNvSpPr/>
+          <p:nvPr/>
+        </p:nvSpPr>
+        <p:spPr>
+          <a:xfrm>
+            <a:off x="4269027" y="1889720"/>
+            <a:ext cx="288032" cy="1329568"/>
+          </a:xfrm>
+          <a:prstGeom prst="downArrow">
+            <a:avLst/>
+          </a:prstGeom>
+        </p:spPr>
+        <p:style>
+          <a:lnRef idx="2">
+            <a:schemeClr val="accent1">
+              <a:shade val="50000"/>
+            </a:schemeClr>
+          </a:lnRef>
+          <a:fillRef idx="1">
+            <a:schemeClr val="accent1"/>
+          </a:fillRef>
+          <a:effectRef idx="0">
+            <a:schemeClr val="accent1"/>
+          </a:effectRef>
+          <a:fontRef idx="minor">
+            <a:schemeClr val="lt1"/>
+          </a:fontRef>
+        </p:style>
+        <p:txBody>
+          <a:bodyPr rtlCol="0" anchor="ctr"/>
+          <a:lstStyle/>
+          <a:p>
+            <a:pPr algn="ctr"/>
+            <a:r>
+              <a:rPr lang="en-US"/>
+              <a:t>4</a:t>
+            </a:r>
+          </a:p>
+        </p:txBody>
+      </p:sp>
+      <p:sp>
+        <p:nvSpPr>
+          <p:cNvPr id="3" name="TextBox 2"/>
+          <p:cNvSpPr txBox="1"/>
+          <p:nvPr/>
+        </p:nvSpPr>
+        <p:spPr>
+          <a:xfrm>
+            <a:off x="683568" y="6026337"/>
+            <a:ext cx="4722699" cy="338554"/>
+          </a:xfrm>
+          <a:prstGeom prst="rect">
+            <a:avLst/>
+          </a:prstGeom>
+          <a:noFill/>
+          <a:ln>
+            <a:solidFill>
+              <a:schemeClr val="accent1">
+                <a:shade val="50000"/>
+              </a:schemeClr>
+            </a:solidFill>
+          </a:ln>
+        </p:spPr>
+        <p:txBody>
+          <a:bodyPr wrap="square" rtlCol="0">
+            <a:spAutoFit/>
+          </a:bodyPr>
+          <a:lstStyle/>
+          <a:p>
+            <a:r>
+              <a:rPr lang="en-US" sz="1600" smtClean="0"/>
+              <a:t>Can be automated and scheduled on Jenkins or Linux </a:t>
+            </a:r>
+            <a:endParaRPr lang="en-US" sz="1600"/>
+          </a:p>
+        </p:txBody>
+      </p:sp>
+      <p:cxnSp>
+        <p:nvCxnSpPr>
+          <p:cNvPr id="7" name="Straight Connector 6"/>
+          <p:cNvCxnSpPr>
+            <a:stCxn id="21" idx="2"/>
+            <a:endCxn id="3" idx="0"/>
+          </p:cNvCxnSpPr>
+          <p:nvPr/>
+        </p:nvCxnSpPr>
+        <p:spPr>
+          <a:xfrm flipH="1">
+            <a:off x="3044918" y="5106333"/>
+            <a:ext cx="1376367" cy="920004"/>
+          </a:xfrm>
+          <a:prstGeom prst="line">
+            <a:avLst/>
+          </a:prstGeom>
+        </p:spPr>
+        <p:style>
+          <a:lnRef idx="1">
+            <a:schemeClr val="accent1"/>
+          </a:lnRef>
+          <a:fillRef idx="0">
+            <a:schemeClr val="accent1"/>
+          </a:fillRef>
+          <a:effectRef idx="0">
+            <a:schemeClr val="accent1"/>
+          </a:effectRef>
+          <a:fontRef idx="minor">
+            <a:schemeClr val="tx1"/>
+          </a:fontRef>
+        </p:style>
+      </p:cxnSp>
+      <p:cxnSp>
+        <p:nvCxnSpPr>
+          <p:cNvPr id="37" name="Straight Connector 36"/>
+          <p:cNvCxnSpPr>
+            <a:stCxn id="16" idx="1"/>
+          </p:cNvCxnSpPr>
+          <p:nvPr/>
+        </p:nvCxnSpPr>
+        <p:spPr>
+          <a:xfrm flipH="1">
+            <a:off x="4475541" y="2241759"/>
+            <a:ext cx="287801" cy="0"/>
+          </a:xfrm>
+          <a:prstGeom prst="line">
+            <a:avLst/>
+          </a:prstGeom>
+          <a:ln>
+            <a:solidFill>
+              <a:schemeClr val="tx1"/>
+            </a:solidFill>
+          </a:ln>
+        </p:spPr>
+        <p:style>
+          <a:lnRef idx="1">
+            <a:schemeClr val="accent1"/>
+          </a:lnRef>
+          <a:fillRef idx="0">
+            <a:schemeClr val="accent1"/>
+          </a:fillRef>
+          <a:effectRef idx="0">
+            <a:schemeClr val="accent1"/>
+          </a:effectRef>
+          <a:fontRef idx="minor">
+            <a:schemeClr val="tx1"/>
+          </a:fontRef>
+        </p:style>
+      </p:cxnSp>
+      <p:sp>
+        <p:nvSpPr>
+          <p:cNvPr id="38" name="TextBox 37"/>
+          <p:cNvSpPr txBox="1"/>
+          <p:nvPr/>
+        </p:nvSpPr>
+        <p:spPr>
+          <a:xfrm>
+            <a:off x="-41212" y="3153548"/>
+            <a:ext cx="1291936" cy="830997"/>
+          </a:xfrm>
+          <a:prstGeom prst="rect">
+            <a:avLst/>
+          </a:prstGeom>
+          <a:noFill/>
+        </p:spPr>
+        <p:txBody>
+          <a:bodyPr wrap="square" rtlCol="0">
+            <a:spAutoFit/>
+          </a:bodyPr>
+          <a:lstStyle/>
+          <a:p>
+            <a:r>
+              <a:rPr lang="en-US" sz="1600" smtClean="0"/>
+              <a:t>Geospatial data manager</a:t>
+            </a:r>
+          </a:p>
+        </p:txBody>
+      </p:sp>
+    </p:spTree>
+    <p:extLst>
+      <p:ext uri="{BB962C8B-B14F-4D97-AF65-F5344CB8AC3E}">
+        <p14:creationId xmlns:p14="http://schemas.microsoft.com/office/powerpoint/2010/main" xmlns="" val="3413831671"/>
+      </p:ext>
+    </p:extLst>
+  </p:cSld>
+  <p:clrMapOvr>
+    <a:masterClrMapping/>
+  </p:clrMapOvr>
+  <p:timing>
+    <p:tnLst>
+      <p:par>
+        <p:cTn id="1" dur="indefinite" restart="never" nodeType="tmRoot"/>
+      </p:par>
+    </p:tnLst>
+  </p:timing>
 </p:sld>
 </file>
 
@@ -4535,4 +6264,287 @@
   <a:objectDefaults/>
   <a:extraClrSchemeLst/>
 </a:theme>
+</file>
+
+<file path=ppt/theme/theme2.xml><?xml version="1.0" encoding="utf-8"?>
+<a:theme xmlns:a="http://schemas.openxmlformats.org/drawingml/2006/main" name="Thème Office">
+  <a:themeElements>
+    <a:clrScheme name="Office">
+      <a:dk1>
+        <a:sysClr val="windowText" lastClr="000000"/>
+      </a:dk1>
+      <a:lt1>
+        <a:sysClr val="window" lastClr="FFFFFF"/>
+      </a:lt1>
+      <a:dk2>
+        <a:srgbClr val="1F497D"/>
+      </a:dk2>
+      <a:lt2>
+        <a:srgbClr val="EEECE1"/>
+      </a:lt2>
+      <a:accent1>
+        <a:srgbClr val="4F81BD"/>
+      </a:accent1>
+      <a:accent2>
+        <a:srgbClr val="C0504D"/>
+      </a:accent2>
+      <a:accent3>
+        <a:srgbClr val="9BBB59"/>
+      </a:accent3>
+      <a:accent4>
+        <a:srgbClr val="8064A2"/>
+      </a:accent4>
+      <a:accent5>
+        <a:srgbClr val="4BACC6"/>
+      </a:accent5>
+      <a:accent6>
+        <a:srgbClr val="F79646"/>
+      </a:accent6>
+      <a:hlink>
+        <a:srgbClr val="0000FF"/>
+      </a:hlink>
+      <a:folHlink>
+        <a:srgbClr val="800080"/>
+      </a:folHlink>
+    </a:clrScheme>
+    <a:fontScheme name="Office">
+      <a:majorFont>
+        <a:latin typeface="Calibri"/>
+        <a:ea typeface=""/>
+        <a:cs typeface=""/>
+        <a:font script="Jpan" typeface="ＭＳ Ｐゴシック"/>
+        <a:font script="Hang" typeface="맑은 고딕"/>
+        <a:font script="Hans" typeface="宋体"/>
+        <a:font script="Hant" typeface="新細明體"/>
+        <a:font script="Arab" typeface="Times New Roman"/>
+        <a:font script="Hebr" typeface="Times New Roman"/>
+        <a:font script="Thai" typeface="Angsana New"/>
+        <a:font script="Ethi" typeface="Nyala"/>
+        <a:font script="Beng" typeface="Vrinda"/>
+        <a:font script="Gujr" typeface="Shruti"/>
+        <a:font script="Khmr" typeface="MoolBoran"/>
+        <a:font script="Knda" typeface="Tunga"/>
+        <a:font script="Guru" typeface="Raavi"/>
+        <a:font script="Cans" typeface="Euphemia"/>
+        <a:font script="Cher" typeface="Plantagenet Cherokee"/>
+        <a:font script="Yiii" typeface="Microsoft Yi Baiti"/>
+        <a:font script="Tibt" typeface="Microsoft Himalaya"/>
+        <a:font script="Thaa" typeface="MV Boli"/>
+        <a:font script="Deva" typeface="Mangal"/>
+        <a:font script="Telu" typeface="Gautami"/>
+        <a:font script="Taml" typeface="Latha"/>
+        <a:font script="Syrc" typeface="Estrangelo Edessa"/>
+        <a:font script="Orya" typeface="Kalinga"/>
+        <a:font script="Mlym" typeface="Kartika"/>
+        <a:font script="Laoo" typeface="DokChampa"/>
+        <a:font script="Sinh" typeface="Iskoola Pota"/>
+        <a:font script="Mong" typeface="Mongolian Baiti"/>
+        <a:font script="Viet" typeface="Times New Roman"/>
+        <a:font script="Uigh" typeface="Microsoft Uighur"/>
+      </a:majorFont>
+      <a:minorFont>
+        <a:latin typeface="Calibri"/>
+        <a:ea typeface=""/>
+        <a:cs typeface=""/>
+        <a:font script="Jpan" typeface="ＭＳ Ｐゴシック"/>
+        <a:font script="Hang" typeface="맑은 고딕"/>
+        <a:font script="Hans" typeface="宋体"/>
+        <a:font script="Hant" typeface="新細明體"/>
+        <a:font script="Arab" typeface="Arial"/>
+        <a:font script="Hebr" typeface="Arial"/>
+        <a:font script="Thai" typeface="Cordia New"/>
+        <a:font script="Ethi" typeface="Nyala"/>
+        <a:font script="Beng" typeface="Vrinda"/>
+        <a:font script="Gujr" typeface="Shruti"/>
+        <a:font script="Khmr" typeface="DaunPenh"/>
+        <a:font script="Knda" typeface="Tunga"/>
+        <a:font script="Guru" typeface="Raavi"/>
+        <a:font script="Cans" typeface="Euphemia"/>
+        <a:font script="Cher" typeface="Plantagenet Cherokee"/>
+        <a:font script="Yiii" typeface="Microsoft Yi Baiti"/>
+        <a:font script="Tibt" typeface="Microsoft Himalaya"/>
+        <a:font script="Thaa" typeface="MV Boli"/>
+        <a:font script="Deva" typeface="Mangal"/>
+        <a:font script="Telu" typeface="Gautami"/>
+        <a:font script="Taml" typeface="Latha"/>
+        <a:font script="Syrc" typeface="Estrangelo Edessa"/>
+        <a:font script="Orya" typeface="Kalinga"/>
+        <a:font script="Mlym" typeface="Kartika"/>
+        <a:font script="Laoo" typeface="DokChampa"/>
+        <a:font script="Sinh" typeface="Iskoola Pota"/>
+        <a:font script="Mong" typeface="Mongolian Baiti"/>
+        <a:font script="Viet" typeface="Arial"/>
+        <a:font script="Uigh" typeface="Microsoft Uighur"/>
+      </a:minorFont>
+    </a:fontScheme>
+    <a:fmtScheme name="Office">
+      <a:fillStyleLst>
+        <a:solidFill>
+          <a:schemeClr val="phClr"/>
+        </a:solidFill>
+        <a:gradFill rotWithShape="1">
+          <a:gsLst>
+            <a:gs pos="0">
+              <a:schemeClr val="phClr">
+                <a:tint val="50000"/>
+                <a:satMod val="300000"/>
+              </a:schemeClr>
+            </a:gs>
+            <a:gs pos="35000">
+              <a:schemeClr val="phClr">
+                <a:tint val="37000"/>
+                <a:satMod val="300000"/>
+              </a:schemeClr>
+            </a:gs>
+            <a:gs pos="100000">
+              <a:schemeClr val="phClr">
+                <a:tint val="15000"/>
+                <a:satMod val="350000"/>
+              </a:schemeClr>
+            </a:gs>
+          </a:gsLst>
+          <a:lin ang="16200000" scaled="1"/>
+        </a:gradFill>
+        <a:gradFill rotWithShape="1">
+          <a:gsLst>
+            <a:gs pos="0">
+              <a:schemeClr val="phClr">
+                <a:shade val="51000"/>
+                <a:satMod val="130000"/>
+              </a:schemeClr>
+            </a:gs>
+            <a:gs pos="80000">
+              <a:schemeClr val="phClr">
+                <a:shade val="93000"/>
+                <a:satMod val="130000"/>
+              </a:schemeClr>
+            </a:gs>
+            <a:gs pos="100000">
+              <a:schemeClr val="phClr">
+                <a:shade val="94000"/>
+                <a:satMod val="135000"/>
+              </a:schemeClr>
+            </a:gs>
+          </a:gsLst>
+          <a:lin ang="16200000" scaled="0"/>
+        </a:gradFill>
+      </a:fillStyleLst>
+      <a:lnStyleLst>
+        <a:ln w="9525" cap="flat" cmpd="sng" algn="ctr">
+          <a:solidFill>
+            <a:schemeClr val="phClr">
+              <a:shade val="95000"/>
+              <a:satMod val="105000"/>
+            </a:schemeClr>
+          </a:solidFill>
+          <a:prstDash val="solid"/>
+        </a:ln>
+        <a:ln w="25400" cap="flat" cmpd="sng" algn="ctr">
+          <a:solidFill>
+            <a:schemeClr val="phClr"/>
+          </a:solidFill>
+          <a:prstDash val="solid"/>
+        </a:ln>
+        <a:ln w="38100" cap="flat" cmpd="sng" algn="ctr">
+          <a:solidFill>
+            <a:schemeClr val="phClr"/>
+          </a:solidFill>
+          <a:prstDash val="solid"/>
+        </a:ln>
+      </a:lnStyleLst>
+      <a:effectStyleLst>
+        <a:effectStyle>
+          <a:effectLst>
+            <a:outerShdw blurRad="40000" dist="20000" dir="5400000" rotWithShape="0">
+              <a:srgbClr val="000000">
+                <a:alpha val="38000"/>
+              </a:srgbClr>
+            </a:outerShdw>
+          </a:effectLst>
+        </a:effectStyle>
+        <a:effectStyle>
+          <a:effectLst>
+            <a:outerShdw blurRad="40000" dist="23000" dir="5400000" rotWithShape="0">
+              <a:srgbClr val="000000">
+                <a:alpha val="35000"/>
+              </a:srgbClr>
+            </a:outerShdw>
+          </a:effectLst>
+        </a:effectStyle>
+        <a:effectStyle>
+          <a:effectLst>
+            <a:outerShdw blurRad="40000" dist="23000" dir="5400000" rotWithShape="0">
+              <a:srgbClr val="000000">
+                <a:alpha val="35000"/>
+              </a:srgbClr>
+            </a:outerShdw>
+          </a:effectLst>
+          <a:scene3d>
+            <a:camera prst="orthographicFront">
+              <a:rot lat="0" lon="0" rev="0"/>
+            </a:camera>
+            <a:lightRig rig="threePt" dir="t">
+              <a:rot lat="0" lon="0" rev="1200000"/>
+            </a:lightRig>
+          </a:scene3d>
+          <a:sp3d>
+            <a:bevelT w="63500" h="25400"/>
+          </a:sp3d>
+        </a:effectStyle>
+      </a:effectStyleLst>
+      <a:bgFillStyleLst>
+        <a:solidFill>
+          <a:schemeClr val="phClr"/>
+        </a:solidFill>
+        <a:gradFill rotWithShape="1">
+          <a:gsLst>
+            <a:gs pos="0">
+              <a:schemeClr val="phClr">
+                <a:tint val="40000"/>
+                <a:satMod val="350000"/>
+              </a:schemeClr>
+            </a:gs>
+            <a:gs pos="40000">
+              <a:schemeClr val="phClr">
+                <a:tint val="45000"/>
+                <a:shade val="99000"/>
+                <a:satMod val="350000"/>
+              </a:schemeClr>
+            </a:gs>
+            <a:gs pos="100000">
+              <a:schemeClr val="phClr">
+                <a:shade val="20000"/>
+                <a:satMod val="255000"/>
+              </a:schemeClr>
+            </a:gs>
+          </a:gsLst>
+          <a:path path="circle">
+            <a:fillToRect l="50000" t="-80000" r="50000" b="180000"/>
+          </a:path>
+        </a:gradFill>
+        <a:gradFill rotWithShape="1">
+          <a:gsLst>
+            <a:gs pos="0">
+              <a:schemeClr val="phClr">
+                <a:tint val="80000"/>
+                <a:satMod val="300000"/>
+              </a:schemeClr>
+            </a:gs>
+            <a:gs pos="100000">
+              <a:schemeClr val="phClr">
+                <a:shade val="30000"/>
+                <a:satMod val="200000"/>
+              </a:schemeClr>
+            </a:gs>
+          </a:gsLst>
+          <a:path path="circle">
+            <a:fillToRect l="50000" t="50000" r="50000" b="50000"/>
+          </a:path>
+        </a:gradFill>
+      </a:bgFillStyleLst>
+    </a:fmtScheme>
+  </a:themeElements>
+  <a:objectDefaults/>
+  <a:extraClrSchemeLst/>
+</a:theme>
 </file>